--- a/Demo_1.pptx
+++ b/Demo_1.pptx
@@ -3912,11 +3912,7 @@
           <a:p>
             <a:r>
               <a:rPr lang="en-US" dirty="0" smtClean="0"/>
-              <a:t>Network Programmability as a Cloud </a:t>
-            </a:r>
-            <a:r>
-              <a:rPr lang="en-US" dirty="0" smtClean="0"/>
-              <a:t>Service</a:t>
+              <a:t>Network Programmability as a Cloud Service</a:t>
             </a:r>
             <a:br>
               <a:rPr lang="en-US" dirty="0" smtClean="0"/>
@@ -4074,11 +4070,7 @@
             <a:pPr algn="ctr"/>
             <a:r>
               <a:rPr lang="en-US" dirty="0" smtClean="0"/>
-              <a:t>Tools and Technologies: Open </a:t>
-            </a:r>
-            <a:r>
-              <a:rPr lang="en-US" dirty="0" smtClean="0"/>
-              <a:t>virtual switch</a:t>
+              <a:t>Tools and Technologies: Open virtual switch</a:t>
             </a:r>
             <a:endParaRPr lang="en-US" dirty="0"/>
           </a:p>
@@ -4348,7 +4340,6 @@
               <a:rPr lang="en-US" sz="2500" dirty="0" smtClean="0"/>
               <a:t>, OVS-database(OVSDB)-server and OVS-kernel</a:t>
             </a:r>
-            <a:endParaRPr lang="en-US" sz="2500" dirty="0" smtClean="0"/>
           </a:p>
           <a:p>
             <a:endParaRPr lang="en-US" sz="2500" dirty="0" smtClean="0"/>
@@ -4757,7 +4748,6 @@
               <a:rPr lang="en-US" sz="3200" dirty="0" smtClean="0"/>
               <a:t>[4]</a:t>
             </a:r>
-            <a:endParaRPr lang="en-US" sz="3200" dirty="0" smtClean="0"/>
           </a:p>
         </p:txBody>
       </p:sp>
@@ -4869,11 +4859,7 @@
           <a:p>
             <a:r>
               <a:rPr lang="en-US" dirty="0" smtClean="0"/>
-              <a:t>Tools and Technologies: </a:t>
-            </a:r>
-            <a:r>
-              <a:rPr lang="en-US" dirty="0" smtClean="0"/>
-              <a:t>Open daylight Controller</a:t>
+              <a:t>Tools and Technologies: Open daylight Controller</a:t>
             </a:r>
             <a:endParaRPr lang="en-US" dirty="0"/>
           </a:p>
@@ -4990,8 +4976,16 @@
           </a:p>
           <a:p>
             <a:r>
+              <a:rPr lang="en-US" sz="2400" dirty="0"/>
+              <a:t>f</a:t>
+            </a:r>
+            <a:r>
               <a:rPr lang="en-US" sz="2400" dirty="0" smtClean="0"/>
-              <a:t>Form basis </a:t>
+              <a:t>orm </a:t>
+            </a:r>
+            <a:r>
+              <a:rPr lang="en-US" sz="2400" dirty="0" smtClean="0"/>
+              <a:t>basis </a:t>
             </a:r>
             <a:r>
               <a:rPr lang="en-US" sz="2400" dirty="0"/>
@@ -9969,11 +9963,7 @@
             </a:r>
             <a:r>
               <a:rPr lang="en-US" dirty="0" smtClean="0"/>
-              <a:t>:Creating a </a:t>
-            </a:r>
-            <a:r>
-              <a:rPr lang="en-US" dirty="0" smtClean="0"/>
-              <a:t>SDN based network</a:t>
+              <a:t>:Creating a SDN based network</a:t>
             </a:r>
             <a:endParaRPr lang="en-US" dirty="0"/>
           </a:p>
@@ -11194,11 +11184,7 @@
             <a:pPr algn="ctr"/>
             <a:r>
               <a:rPr lang="en-US" dirty="0" smtClean="0"/>
-              <a:t>SPRINT </a:t>
-            </a:r>
-            <a:r>
-              <a:rPr lang="en-US" dirty="0" smtClean="0"/>
-              <a:t>2:goals</a:t>
+              <a:t>SPRINT 2:goals</a:t>
             </a:r>
             <a:endParaRPr lang="en-US" dirty="0"/>
           </a:p>
@@ -11241,11 +11227,7 @@
           <a:p>
             <a:r>
               <a:rPr lang="en-US" sz="3200" dirty="0" smtClean="0"/>
-              <a:t>Developing a </a:t>
-            </a:r>
-            <a:r>
-              <a:rPr lang="en-US" sz="3200" dirty="0" smtClean="0"/>
-              <a:t>learning switch(layer 2 or 3) </a:t>
+              <a:t>Developing a learning switch(layer 2 or 3) </a:t>
             </a:r>
             <a:r>
               <a:rPr lang="en-US" sz="3200" dirty="0"/>
@@ -11269,11 +11251,7 @@
           <a:p>
             <a:r>
               <a:rPr lang="en-US" sz="3200" dirty="0" smtClean="0"/>
-              <a:t>Connect </a:t>
-            </a:r>
-            <a:r>
-              <a:rPr lang="en-US" sz="3200" dirty="0" smtClean="0"/>
-              <a:t>the multiple networks in current topology</a:t>
+              <a:t>Connect the multiple networks in current topology</a:t>
             </a:r>
           </a:p>
           <a:p>
@@ -11383,13 +11361,8 @@
           <a:p>
             <a:r>
               <a:rPr lang="en-US" sz="2800" dirty="0" smtClean="0"/>
-              <a:t>Solving problem of scaling across multiple IaaS </a:t>
-            </a:r>
-            <a:r>
-              <a:rPr lang="en-US" sz="2800" dirty="0" smtClean="0"/>
-              <a:t>providers in MOC</a:t>
-            </a:r>
-            <a:endParaRPr lang="en-US" sz="2800" dirty="0" smtClean="0"/>
+              <a:t>Solving problem of scaling across multiple IaaS providers in MOC</a:t>
+            </a:r>
           </a:p>
           <a:p>
             <a:pPr marL="0" indent="0">
@@ -15405,25 +15378,7 @@
                 </a:solidFill>
                 <a:latin typeface="Calibri" panose="020F0502020204030204" pitchFamily="34" charset="0"/>
               </a:rPr>
-              <a:t>Administrative Domain</a:t>
-            </a:r>
-            <a:r>
-              <a:rPr lang="en-US" dirty="0" smtClean="0">
-                <a:solidFill>
-                  <a:schemeClr val="bg1"/>
-                </a:solidFill>
-                <a:latin typeface="Calibri" panose="020F0502020204030204" pitchFamily="34" charset="0"/>
-              </a:rPr>
-              <a:t> </a:t>
-            </a:r>
-            <a:r>
-              <a:rPr lang="en-US" dirty="0" smtClean="0">
-                <a:solidFill>
-                  <a:schemeClr val="bg1"/>
-                </a:solidFill>
-                <a:latin typeface="Calibri" panose="020F0502020204030204" pitchFamily="34" charset="0"/>
-              </a:rPr>
-              <a:t>1</a:t>
+              <a:t>Administrative Domain 1</a:t>
             </a:r>
             <a:endParaRPr lang="en-US" dirty="0">
               <a:solidFill>
@@ -15692,9 +15647,6 @@
               </a:rPr>
               <a:t>Network Abstraction layer</a:t>
             </a:r>
-            <a:endParaRPr lang="en-US" dirty="0">
-              <a:latin typeface="Calibri" panose="020F0502020204030204" pitchFamily="34" charset="0"/>
-            </a:endParaRPr>
           </a:p>
         </p:txBody>
       </p:sp>
@@ -16123,25 +16075,7 @@
                 </a:solidFill>
                 <a:latin typeface="Calibri" panose="020F0502020204030204" pitchFamily="34" charset="0"/>
               </a:rPr>
-              <a:t>Administrative Domain</a:t>
-            </a:r>
-            <a:r>
-              <a:rPr lang="en-US" dirty="0" smtClean="0">
-                <a:solidFill>
-                  <a:schemeClr val="bg1"/>
-                </a:solidFill>
-                <a:latin typeface="Calibri" panose="020F0502020204030204" pitchFamily="34" charset="0"/>
-              </a:rPr>
-              <a:t> </a:t>
-            </a:r>
-            <a:r>
-              <a:rPr lang="en-US" dirty="0" smtClean="0">
-                <a:solidFill>
-                  <a:schemeClr val="bg1"/>
-                </a:solidFill>
-                <a:latin typeface="Calibri" panose="020F0502020204030204" pitchFamily="34" charset="0"/>
-              </a:rPr>
-              <a:t>2</a:t>
+              <a:t>Administrative Domain 2</a:t>
             </a:r>
             <a:endParaRPr lang="en-US" dirty="0">
               <a:solidFill>
@@ -16286,11 +16220,7 @@
             </a:r>
             <a:r>
               <a:rPr lang="en-US" sz="3600" dirty="0" smtClean="0"/>
-              <a:t>Open Daylight </a:t>
-            </a:r>
-            <a:r>
-              <a:rPr lang="en-US" sz="3600" dirty="0" smtClean="0"/>
-              <a:t>controller</a:t>
+              <a:t>Open Daylight controller</a:t>
             </a:r>
             <a:endParaRPr lang="en-US" sz="3600" dirty="0"/>
           </a:p>
@@ -16609,7 +16539,6 @@
               <a:rPr lang="en-US" sz="2400" dirty="0" smtClean="0"/>
               <a:t>etwork emulator </a:t>
             </a:r>
-            <a:endParaRPr lang="en-US" sz="2400" dirty="0" smtClean="0"/>
           </a:p>
           <a:p>
             <a:pPr lvl="1"/>
@@ -16650,11 +16579,7 @@
             </a:r>
             <a:r>
               <a:rPr lang="en-US" sz="2400" dirty="0" smtClean="0"/>
-              <a:t>) to create </a:t>
-            </a:r>
-            <a:r>
-              <a:rPr lang="en-US" sz="2400" dirty="0" smtClean="0"/>
-              <a:t>topologies</a:t>
+              <a:t>) to create topologies</a:t>
             </a:r>
           </a:p>
           <a:p>
@@ -17053,21 +16978,8 @@
           <a:p>
             <a:r>
               <a:rPr lang="en-US" sz="3200" dirty="0" smtClean="0"/>
-              <a:t>Separates data </a:t>
-            </a:r>
-            <a:r>
-              <a:rPr lang="en-US" sz="3200" dirty="0" smtClean="0"/>
-              <a:t>plane </a:t>
-            </a:r>
-            <a:r>
-              <a:rPr lang="en-US" sz="3200" dirty="0" smtClean="0"/>
-              <a:t>and control </a:t>
-            </a:r>
-            <a:r>
-              <a:rPr lang="en-US" sz="3200" dirty="0" smtClean="0"/>
-              <a:t>plane</a:t>
-            </a:r>
-            <a:endParaRPr lang="en-US" sz="3200" dirty="0" smtClean="0"/>
+              <a:t>Separates data plane and control plane</a:t>
+            </a:r>
           </a:p>
           <a:p>
             <a:pPr marL="0" indent="0">
@@ -17207,11 +17119,7 @@
           <a:p>
             <a:r>
               <a:rPr lang="en-US" dirty="0" smtClean="0"/>
-              <a:t>Tools and Technologies: </a:t>
-            </a:r>
-            <a:r>
-              <a:rPr lang="en-US" dirty="0" smtClean="0"/>
-              <a:t>Flow table</a:t>
+              <a:t>Tools and Technologies: Flow table</a:t>
             </a:r>
             <a:endParaRPr lang="en-US" dirty="0"/>
           </a:p>
